--- a/Aula1.pptx
+++ b/Aula1.pptx
@@ -270,7 +270,7 @@
           <a:p>
             <a:fld id="{B5EFCE18-5E79-7E4D-A4C8-37584E42E946}" type="datetimeFigureOut">
               <a:rPr lang="pt-BR" smtClean="0"/>
-              <a:t>26/02/2018</a:t>
+              <a:t>21/02/2018</a:t>
             </a:fld>
             <a:endParaRPr lang="pt-BR"/>
           </a:p>
@@ -468,7 +468,7 @@
           <a:p>
             <a:fld id="{B5EFCE18-5E79-7E4D-A4C8-37584E42E946}" type="datetimeFigureOut">
               <a:rPr lang="pt-BR" smtClean="0"/>
-              <a:t>26/02/2018</a:t>
+              <a:t>21/02/2018</a:t>
             </a:fld>
             <a:endParaRPr lang="pt-BR"/>
           </a:p>
@@ -676,7 +676,7 @@
           <a:p>
             <a:fld id="{B5EFCE18-5E79-7E4D-A4C8-37584E42E946}" type="datetimeFigureOut">
               <a:rPr lang="pt-BR" smtClean="0"/>
-              <a:t>26/02/2018</a:t>
+              <a:t>21/02/2018</a:t>
             </a:fld>
             <a:endParaRPr lang="pt-BR"/>
           </a:p>
@@ -874,7 +874,7 @@
           <a:p>
             <a:fld id="{B5EFCE18-5E79-7E4D-A4C8-37584E42E946}" type="datetimeFigureOut">
               <a:rPr lang="pt-BR" smtClean="0"/>
-              <a:t>26/02/2018</a:t>
+              <a:t>21/02/2018</a:t>
             </a:fld>
             <a:endParaRPr lang="pt-BR"/>
           </a:p>
@@ -1149,7 +1149,7 @@
           <a:p>
             <a:fld id="{B5EFCE18-5E79-7E4D-A4C8-37584E42E946}" type="datetimeFigureOut">
               <a:rPr lang="pt-BR" smtClean="0"/>
-              <a:t>26/02/2018</a:t>
+              <a:t>21/02/2018</a:t>
             </a:fld>
             <a:endParaRPr lang="pt-BR"/>
           </a:p>
@@ -1414,7 +1414,7 @@
           <a:p>
             <a:fld id="{B5EFCE18-5E79-7E4D-A4C8-37584E42E946}" type="datetimeFigureOut">
               <a:rPr lang="pt-BR" smtClean="0"/>
-              <a:t>26/02/2018</a:t>
+              <a:t>21/02/2018</a:t>
             </a:fld>
             <a:endParaRPr lang="pt-BR"/>
           </a:p>
@@ -1826,7 +1826,7 @@
           <a:p>
             <a:fld id="{B5EFCE18-5E79-7E4D-A4C8-37584E42E946}" type="datetimeFigureOut">
               <a:rPr lang="pt-BR" smtClean="0"/>
-              <a:t>26/02/2018</a:t>
+              <a:t>21/02/2018</a:t>
             </a:fld>
             <a:endParaRPr lang="pt-BR"/>
           </a:p>
@@ -1967,7 +1967,7 @@
           <a:p>
             <a:fld id="{B5EFCE18-5E79-7E4D-A4C8-37584E42E946}" type="datetimeFigureOut">
               <a:rPr lang="pt-BR" smtClean="0"/>
-              <a:t>26/02/2018</a:t>
+              <a:t>21/02/2018</a:t>
             </a:fld>
             <a:endParaRPr lang="pt-BR"/>
           </a:p>
@@ -2080,7 +2080,7 @@
           <a:p>
             <a:fld id="{B5EFCE18-5E79-7E4D-A4C8-37584E42E946}" type="datetimeFigureOut">
               <a:rPr lang="pt-BR" smtClean="0"/>
-              <a:t>26/02/2018</a:t>
+              <a:t>21/02/2018</a:t>
             </a:fld>
             <a:endParaRPr lang="pt-BR"/>
           </a:p>
@@ -2391,7 +2391,7 @@
           <a:p>
             <a:fld id="{B5EFCE18-5E79-7E4D-A4C8-37584E42E946}" type="datetimeFigureOut">
               <a:rPr lang="pt-BR" smtClean="0"/>
-              <a:t>26/02/2018</a:t>
+              <a:t>21/02/2018</a:t>
             </a:fld>
             <a:endParaRPr lang="pt-BR"/>
           </a:p>
@@ -2679,7 +2679,7 @@
           <a:p>
             <a:fld id="{B5EFCE18-5E79-7E4D-A4C8-37584E42E946}" type="datetimeFigureOut">
               <a:rPr lang="pt-BR" smtClean="0"/>
-              <a:t>26/02/2018</a:t>
+              <a:t>21/02/2018</a:t>
             </a:fld>
             <a:endParaRPr lang="pt-BR"/>
           </a:p>
@@ -2920,7 +2920,7 @@
           <a:p>
             <a:fld id="{B5EFCE18-5E79-7E4D-A4C8-37584E42E946}" type="datetimeFigureOut">
               <a:rPr lang="pt-BR" smtClean="0"/>
-              <a:t>26/02/2018</a:t>
+              <a:t>21/02/2018</a:t>
             </a:fld>
             <a:endParaRPr lang="pt-BR"/>
           </a:p>
@@ -3407,6 +3407,12 @@
               <a:t>Prof. Dr. Daniel Facciolo Pires</a:t>
             </a:r>
           </a:p>
+          <a:p>
+            <a:r>
+              <a:rPr lang="pt-BR" dirty="0"/>
+              <a:t>Uni-FACEF</a:t>
+            </a:r>
+          </a:p>
         </p:txBody>
       </p:sp>
     </p:spTree>
@@ -3948,9 +3954,7 @@
         </p:nvSpPr>
         <p:spPr/>
         <p:txBody>
-          <a:bodyPr>
-            <a:normAutofit lnSpcReduction="10000"/>
-          </a:bodyPr>
+          <a:bodyPr/>
           <a:lstStyle/>
           <a:p>
             <a:pPr marL="0" indent="0">
@@ -4115,11 +4119,6 @@
               <a:rPr lang="pt-BR" dirty="0"/>
               <a:t>)</a:t>
             </a:r>
-          </a:p>
-          <a:p>
-            <a:pPr marL="0" indent="0">
-              <a:buNone/>
-            </a:pPr>
             <a:r>
               <a:rPr lang="pt-BR" dirty="0" err="1"/>
               <a:t>episode</a:t>
@@ -4196,17 +4195,7 @@
             </a:r>
             <a:r>
               <a:rPr lang="pt-BR" dirty="0" err="1"/>
-              <a:t>favoriteDroid</a:t>
-            </a:r>
-            <a:endParaRPr lang="pt-BR" dirty="0"/>
-          </a:p>
-          <a:p>
-            <a:pPr marL="0" indent="0">
-              <a:buNone/>
-            </a:pPr>
-            <a:r>
-              <a:rPr lang="pt-BR" dirty="0" err="1"/>
-              <a:t>favoriteDroid</a:t>
+              <a:t>favoriteDroidfavoriteDroid</a:t>
             </a:r>
             <a:r>
               <a:rPr lang="pt-BR" dirty="0"/>
